--- a/수업/9. PHP REST API/PPT/PHP REST API.pptx
+++ b/수업/9. PHP REST API/PPT/PHP REST API.pptx
@@ -17,6 +17,11 @@
     <p:sldId id="266" r:id="rId11"/>
     <p:sldId id="267" r:id="rId12"/>
     <p:sldId id="264" r:id="rId13"/>
+    <p:sldId id="268" r:id="rId14"/>
+    <p:sldId id="270" r:id="rId15"/>
+    <p:sldId id="271" r:id="rId16"/>
+    <p:sldId id="269" r:id="rId17"/>
+    <p:sldId id="272" r:id="rId18"/>
   </p:sldIdLst>
   <p:sldSz cx="12192000" cy="6858000"/>
   <p:notesSz cx="6858000" cy="9144000"/>
@@ -272,7 +277,7 @@
               <a:rPr lang="ko-KR" altLang="en-US" smtClean="0"/>
               <a:t>2021-10-27</a:t>
             </a:fld>
-            <a:endParaRPr lang="ko-KR" altLang="en-US"/>
+            <a:endParaRPr lang="ko-KR" altLang="en-US" dirty="0"/>
           </a:p>
         </p:txBody>
       </p:sp>
@@ -297,7 +302,7 @@
           <a:bodyPr/>
           <a:lstStyle/>
           <a:p>
-            <a:endParaRPr lang="ko-KR" altLang="en-US"/>
+            <a:endParaRPr lang="ko-KR" altLang="en-US" dirty="0"/>
           </a:p>
         </p:txBody>
       </p:sp>
@@ -326,7 +331,7 @@
               <a:rPr lang="ko-KR" altLang="en-US" smtClean="0"/>
               <a:t>‹#›</a:t>
             </a:fld>
-            <a:endParaRPr lang="ko-KR" altLang="en-US"/>
+            <a:endParaRPr lang="ko-KR" altLang="en-US" dirty="0"/>
           </a:p>
         </p:txBody>
       </p:sp>
@@ -470,7 +475,7 @@
               <a:rPr lang="ko-KR" altLang="en-US" smtClean="0"/>
               <a:t>2021-10-27</a:t>
             </a:fld>
-            <a:endParaRPr lang="ko-KR" altLang="en-US"/>
+            <a:endParaRPr lang="ko-KR" altLang="en-US" dirty="0"/>
           </a:p>
         </p:txBody>
       </p:sp>
@@ -495,7 +500,7 @@
           <a:bodyPr/>
           <a:lstStyle/>
           <a:p>
-            <a:endParaRPr lang="ko-KR" altLang="en-US"/>
+            <a:endParaRPr lang="ko-KR" altLang="en-US" dirty="0"/>
           </a:p>
         </p:txBody>
       </p:sp>
@@ -524,7 +529,7 @@
               <a:rPr lang="ko-KR" altLang="en-US" smtClean="0"/>
               <a:t>‹#›</a:t>
             </a:fld>
-            <a:endParaRPr lang="ko-KR" altLang="en-US"/>
+            <a:endParaRPr lang="ko-KR" altLang="en-US" dirty="0"/>
           </a:p>
         </p:txBody>
       </p:sp>
@@ -678,7 +683,7 @@
               <a:rPr lang="ko-KR" altLang="en-US" smtClean="0"/>
               <a:t>2021-10-27</a:t>
             </a:fld>
-            <a:endParaRPr lang="ko-KR" altLang="en-US"/>
+            <a:endParaRPr lang="ko-KR" altLang="en-US" dirty="0"/>
           </a:p>
         </p:txBody>
       </p:sp>
@@ -703,7 +708,7 @@
           <a:bodyPr/>
           <a:lstStyle/>
           <a:p>
-            <a:endParaRPr lang="ko-KR" altLang="en-US"/>
+            <a:endParaRPr lang="ko-KR" altLang="en-US" dirty="0"/>
           </a:p>
         </p:txBody>
       </p:sp>
@@ -732,7 +737,7 @@
               <a:rPr lang="ko-KR" altLang="en-US" smtClean="0"/>
               <a:t>‹#›</a:t>
             </a:fld>
-            <a:endParaRPr lang="ko-KR" altLang="en-US"/>
+            <a:endParaRPr lang="ko-KR" altLang="en-US" dirty="0"/>
           </a:p>
         </p:txBody>
       </p:sp>
@@ -876,7 +881,7 @@
               <a:rPr lang="ko-KR" altLang="en-US" smtClean="0"/>
               <a:t>2021-10-27</a:t>
             </a:fld>
-            <a:endParaRPr lang="ko-KR" altLang="en-US"/>
+            <a:endParaRPr lang="ko-KR" altLang="en-US" dirty="0"/>
           </a:p>
         </p:txBody>
       </p:sp>
@@ -901,7 +906,7 @@
           <a:bodyPr/>
           <a:lstStyle/>
           <a:p>
-            <a:endParaRPr lang="ko-KR" altLang="en-US"/>
+            <a:endParaRPr lang="ko-KR" altLang="en-US" dirty="0"/>
           </a:p>
         </p:txBody>
       </p:sp>
@@ -930,7 +935,7 @@
               <a:rPr lang="ko-KR" altLang="en-US" smtClean="0"/>
               <a:t>‹#›</a:t>
             </a:fld>
-            <a:endParaRPr lang="ko-KR" altLang="en-US"/>
+            <a:endParaRPr lang="ko-KR" altLang="en-US" dirty="0"/>
           </a:p>
         </p:txBody>
       </p:sp>
@@ -1151,7 +1156,7 @@
               <a:rPr lang="ko-KR" altLang="en-US" smtClean="0"/>
               <a:t>2021-10-27</a:t>
             </a:fld>
-            <a:endParaRPr lang="ko-KR" altLang="en-US"/>
+            <a:endParaRPr lang="ko-KR" altLang="en-US" dirty="0"/>
           </a:p>
         </p:txBody>
       </p:sp>
@@ -1176,7 +1181,7 @@
           <a:bodyPr/>
           <a:lstStyle/>
           <a:p>
-            <a:endParaRPr lang="ko-KR" altLang="en-US"/>
+            <a:endParaRPr lang="ko-KR" altLang="en-US" dirty="0"/>
           </a:p>
         </p:txBody>
       </p:sp>
@@ -1205,7 +1210,7 @@
               <a:rPr lang="ko-KR" altLang="en-US" smtClean="0"/>
               <a:t>‹#›</a:t>
             </a:fld>
-            <a:endParaRPr lang="ko-KR" altLang="en-US"/>
+            <a:endParaRPr lang="ko-KR" altLang="en-US" dirty="0"/>
           </a:p>
         </p:txBody>
       </p:sp>
@@ -1416,7 +1421,7 @@
               <a:rPr lang="ko-KR" altLang="en-US" smtClean="0"/>
               <a:t>2021-10-27</a:t>
             </a:fld>
-            <a:endParaRPr lang="ko-KR" altLang="en-US"/>
+            <a:endParaRPr lang="ko-KR" altLang="en-US" dirty="0"/>
           </a:p>
         </p:txBody>
       </p:sp>
@@ -1441,7 +1446,7 @@
           <a:bodyPr/>
           <a:lstStyle/>
           <a:p>
-            <a:endParaRPr lang="ko-KR" altLang="en-US"/>
+            <a:endParaRPr lang="ko-KR" altLang="en-US" dirty="0"/>
           </a:p>
         </p:txBody>
       </p:sp>
@@ -1470,7 +1475,7 @@
               <a:rPr lang="ko-KR" altLang="en-US" smtClean="0"/>
               <a:t>‹#›</a:t>
             </a:fld>
-            <a:endParaRPr lang="ko-KR" altLang="en-US"/>
+            <a:endParaRPr lang="ko-KR" altLang="en-US" dirty="0"/>
           </a:p>
         </p:txBody>
       </p:sp>
@@ -1828,7 +1833,7 @@
               <a:rPr lang="ko-KR" altLang="en-US" smtClean="0"/>
               <a:t>2021-10-27</a:t>
             </a:fld>
-            <a:endParaRPr lang="ko-KR" altLang="en-US"/>
+            <a:endParaRPr lang="ko-KR" altLang="en-US" dirty="0"/>
           </a:p>
         </p:txBody>
       </p:sp>
@@ -1853,7 +1858,7 @@
           <a:bodyPr/>
           <a:lstStyle/>
           <a:p>
-            <a:endParaRPr lang="ko-KR" altLang="en-US"/>
+            <a:endParaRPr lang="ko-KR" altLang="en-US" dirty="0"/>
           </a:p>
         </p:txBody>
       </p:sp>
@@ -1882,7 +1887,7 @@
               <a:rPr lang="ko-KR" altLang="en-US" smtClean="0"/>
               <a:t>‹#›</a:t>
             </a:fld>
-            <a:endParaRPr lang="ko-KR" altLang="en-US"/>
+            <a:endParaRPr lang="ko-KR" altLang="en-US" dirty="0"/>
           </a:p>
         </p:txBody>
       </p:sp>
@@ -1969,7 +1974,7 @@
               <a:rPr lang="ko-KR" altLang="en-US" smtClean="0"/>
               <a:t>2021-10-27</a:t>
             </a:fld>
-            <a:endParaRPr lang="ko-KR" altLang="en-US"/>
+            <a:endParaRPr lang="ko-KR" altLang="en-US" dirty="0"/>
           </a:p>
         </p:txBody>
       </p:sp>
@@ -1994,7 +1999,7 @@
           <a:bodyPr/>
           <a:lstStyle/>
           <a:p>
-            <a:endParaRPr lang="ko-KR" altLang="en-US"/>
+            <a:endParaRPr lang="ko-KR" altLang="en-US" dirty="0"/>
           </a:p>
         </p:txBody>
       </p:sp>
@@ -2023,7 +2028,7 @@
               <a:rPr lang="ko-KR" altLang="en-US" smtClean="0"/>
               <a:t>‹#›</a:t>
             </a:fld>
-            <a:endParaRPr lang="ko-KR" altLang="en-US"/>
+            <a:endParaRPr lang="ko-KR" altLang="en-US" dirty="0"/>
           </a:p>
         </p:txBody>
       </p:sp>
@@ -2082,7 +2087,7 @@
               <a:rPr lang="ko-KR" altLang="en-US" smtClean="0"/>
               <a:t>2021-10-27</a:t>
             </a:fld>
-            <a:endParaRPr lang="ko-KR" altLang="en-US"/>
+            <a:endParaRPr lang="ko-KR" altLang="en-US" dirty="0"/>
           </a:p>
         </p:txBody>
       </p:sp>
@@ -2107,7 +2112,7 @@
           <a:bodyPr/>
           <a:lstStyle/>
           <a:p>
-            <a:endParaRPr lang="ko-KR" altLang="en-US"/>
+            <a:endParaRPr lang="ko-KR" altLang="en-US" dirty="0"/>
           </a:p>
         </p:txBody>
       </p:sp>
@@ -2136,7 +2141,7 @@
               <a:rPr lang="ko-KR" altLang="en-US" smtClean="0"/>
               <a:t>‹#›</a:t>
             </a:fld>
-            <a:endParaRPr lang="ko-KR" altLang="en-US"/>
+            <a:endParaRPr lang="ko-KR" altLang="en-US" dirty="0"/>
           </a:p>
         </p:txBody>
       </p:sp>
@@ -2393,7 +2398,7 @@
               <a:rPr lang="ko-KR" altLang="en-US" smtClean="0"/>
               <a:t>2021-10-27</a:t>
             </a:fld>
-            <a:endParaRPr lang="ko-KR" altLang="en-US"/>
+            <a:endParaRPr lang="ko-KR" altLang="en-US" dirty="0"/>
           </a:p>
         </p:txBody>
       </p:sp>
@@ -2418,7 +2423,7 @@
           <a:bodyPr/>
           <a:lstStyle/>
           <a:p>
-            <a:endParaRPr lang="ko-KR" altLang="en-US"/>
+            <a:endParaRPr lang="ko-KR" altLang="en-US" dirty="0"/>
           </a:p>
         </p:txBody>
       </p:sp>
@@ -2447,7 +2452,7 @@
               <a:rPr lang="ko-KR" altLang="en-US" smtClean="0"/>
               <a:t>‹#›</a:t>
             </a:fld>
-            <a:endParaRPr lang="ko-KR" altLang="en-US"/>
+            <a:endParaRPr lang="ko-KR" altLang="en-US" dirty="0"/>
           </a:p>
         </p:txBody>
       </p:sp>
@@ -2581,7 +2586,7 @@
             </a:lvl9pPr>
           </a:lstStyle>
           <a:p>
-            <a:endParaRPr lang="ko-KR" altLang="en-US"/>
+            <a:endParaRPr lang="ko-KR" altLang="en-US" dirty="0"/>
           </a:p>
         </p:txBody>
       </p:sp>
@@ -2681,7 +2686,7 @@
               <a:rPr lang="ko-KR" altLang="en-US" smtClean="0"/>
               <a:t>2021-10-27</a:t>
             </a:fld>
-            <a:endParaRPr lang="ko-KR" altLang="en-US"/>
+            <a:endParaRPr lang="ko-KR" altLang="en-US" dirty="0"/>
           </a:p>
         </p:txBody>
       </p:sp>
@@ -2706,7 +2711,7 @@
           <a:bodyPr/>
           <a:lstStyle/>
           <a:p>
-            <a:endParaRPr lang="ko-KR" altLang="en-US"/>
+            <a:endParaRPr lang="ko-KR" altLang="en-US" dirty="0"/>
           </a:p>
         </p:txBody>
       </p:sp>
@@ -2735,7 +2740,7 @@
               <a:rPr lang="ko-KR" altLang="en-US" smtClean="0"/>
               <a:t>‹#›</a:t>
             </a:fld>
-            <a:endParaRPr lang="ko-KR" altLang="en-US"/>
+            <a:endParaRPr lang="ko-KR" altLang="en-US" dirty="0"/>
           </a:p>
         </p:txBody>
       </p:sp>
@@ -2922,7 +2927,7 @@
               <a:rPr lang="ko-KR" altLang="en-US" smtClean="0"/>
               <a:t>2021-10-27</a:t>
             </a:fld>
-            <a:endParaRPr lang="ko-KR" altLang="en-US"/>
+            <a:endParaRPr lang="ko-KR" altLang="en-US" dirty="0"/>
           </a:p>
         </p:txBody>
       </p:sp>
@@ -2965,7 +2970,7 @@
             </a:lvl1pPr>
           </a:lstStyle>
           <a:p>
-            <a:endParaRPr lang="ko-KR" altLang="en-US"/>
+            <a:endParaRPr lang="ko-KR" altLang="en-US" dirty="0"/>
           </a:p>
         </p:txBody>
       </p:sp>
@@ -3012,7 +3017,7 @@
               <a:rPr lang="ko-KR" altLang="en-US" smtClean="0"/>
               <a:t>‹#›</a:t>
             </a:fld>
-            <a:endParaRPr lang="ko-KR" altLang="en-US"/>
+            <a:endParaRPr lang="ko-KR" altLang="en-US" dirty="0"/>
           </a:p>
         </p:txBody>
       </p:sp>
@@ -3359,10 +3364,10 @@
           <a:lstStyle/>
           <a:p>
             <a:r>
-              <a:rPr lang="en-US" altLang="ko-KR"/>
+              <a:rPr lang="en-US" altLang="ko-KR" dirty="0"/>
               <a:t>PHP REST API</a:t>
             </a:r>
-            <a:endParaRPr lang="ko-KR" altLang="en-US"/>
+            <a:endParaRPr lang="ko-KR" altLang="en-US" dirty="0"/>
           </a:p>
         </p:txBody>
       </p:sp>
@@ -3867,6 +3872,1038 @@
 </p:sld>
 </file>
 
+<file path=ppt/slides/slide13.xml><?xml version="1.0" encoding="utf-8"?>
+<p:sld xmlns:a="http://schemas.openxmlformats.org/drawingml/2006/main" xmlns:r="http://schemas.openxmlformats.org/officeDocument/2006/relationships" xmlns:p="http://schemas.openxmlformats.org/presentationml/2006/main">
+  <p:cSld>
+    <p:spTree>
+      <p:nvGrpSpPr>
+        <p:cNvPr id="1" name=""/>
+        <p:cNvGrpSpPr/>
+        <p:nvPr/>
+      </p:nvGrpSpPr>
+      <p:grpSpPr>
+        <a:xfrm>
+          <a:off x="0" y="0"/>
+          <a:ext cx="0" cy="0"/>
+          <a:chOff x="0" y="0"/>
+          <a:chExt cx="0" cy="0"/>
+        </a:xfrm>
+      </p:grpSpPr>
+      <p:sp>
+        <p:nvSpPr>
+          <p:cNvPr id="2" name="제목 1">
+            <a:extLst>
+              <a:ext uri="{FF2B5EF4-FFF2-40B4-BE49-F238E27FC236}">
+                <a16:creationId xmlns:a16="http://schemas.microsoft.com/office/drawing/2014/main" id="{E10658B9-DC6A-4F64-BC3C-4C8D72E07FEC}"/>
+              </a:ext>
+            </a:extLst>
+          </p:cNvPr>
+          <p:cNvSpPr>
+            <a:spLocks noGrp="1"/>
+          </p:cNvSpPr>
+          <p:nvPr>
+            <p:ph type="title"/>
+          </p:nvPr>
+        </p:nvSpPr>
+        <p:spPr/>
+        <p:txBody>
+          <a:bodyPr/>
+          <a:lstStyle/>
+          <a:p>
+            <a:r>
+              <a:rPr lang="ko-KR" altLang="en-US"/>
+              <a:t>이러닝 자료실에 가서</a:t>
+            </a:r>
+            <a:r>
+              <a:rPr lang="en-US" altLang="ko-KR"/>
+              <a:t>,</a:t>
+            </a:r>
+            <a:endParaRPr lang="ko-KR" altLang="en-US"/>
+          </a:p>
+        </p:txBody>
+      </p:sp>
+      <p:sp>
+        <p:nvSpPr>
+          <p:cNvPr id="3" name="내용 개체 틀 2">
+            <a:extLst>
+              <a:ext uri="{FF2B5EF4-FFF2-40B4-BE49-F238E27FC236}">
+                <a16:creationId xmlns:a16="http://schemas.microsoft.com/office/drawing/2014/main" id="{5F94D376-4DBA-446B-A66B-CC6C0972308A}"/>
+              </a:ext>
+            </a:extLst>
+          </p:cNvPr>
+          <p:cNvSpPr>
+            <a:spLocks noGrp="1"/>
+          </p:cNvSpPr>
+          <p:nvPr>
+            <p:ph idx="1"/>
+          </p:nvPr>
+        </p:nvSpPr>
+        <p:spPr/>
+        <p:txBody>
+          <a:bodyPr/>
+          <a:lstStyle/>
+          <a:p>
+            <a:r>
+              <a:rPr lang="ko-KR" altLang="en-US"/>
+              <a:t>오늘 할 수업코드를 받아 </a:t>
+            </a:r>
+            <a:r>
+              <a:rPr lang="en-US" altLang="ko-KR"/>
+              <a:t>bitnami htdocs</a:t>
+            </a:r>
+            <a:r>
+              <a:rPr lang="ko-KR" altLang="en-US"/>
+              <a:t> 안에 담자</a:t>
+            </a:r>
+          </a:p>
+        </p:txBody>
+      </p:sp>
+    </p:spTree>
+    <p:extLst>
+      <p:ext uri="{BB962C8B-B14F-4D97-AF65-F5344CB8AC3E}">
+        <p14:creationId xmlns:p14="http://schemas.microsoft.com/office/powerpoint/2010/main" val="605871892"/>
+      </p:ext>
+    </p:extLst>
+  </p:cSld>
+  <p:clrMapOvr>
+    <a:masterClrMapping/>
+  </p:clrMapOvr>
+</p:sld>
+</file>
+
+<file path=ppt/slides/slide14.xml><?xml version="1.0" encoding="utf-8"?>
+<p:sld xmlns:a="http://schemas.openxmlformats.org/drawingml/2006/main" xmlns:r="http://schemas.openxmlformats.org/officeDocument/2006/relationships" xmlns:p="http://schemas.openxmlformats.org/presentationml/2006/main">
+  <p:cSld>
+    <p:spTree>
+      <p:nvGrpSpPr>
+        <p:cNvPr id="1" name=""/>
+        <p:cNvGrpSpPr/>
+        <p:nvPr/>
+      </p:nvGrpSpPr>
+      <p:grpSpPr>
+        <a:xfrm>
+          <a:off x="0" y="0"/>
+          <a:ext cx="0" cy="0"/>
+          <a:chOff x="0" y="0"/>
+          <a:chExt cx="0" cy="0"/>
+        </a:xfrm>
+      </p:grpSpPr>
+      <p:sp>
+        <p:nvSpPr>
+          <p:cNvPr id="2" name="제목 1">
+            <a:extLst>
+              <a:ext uri="{FF2B5EF4-FFF2-40B4-BE49-F238E27FC236}">
+                <a16:creationId xmlns:a16="http://schemas.microsoft.com/office/drawing/2014/main" id="{D948125B-5685-4DFD-A1E5-E7978A83C38C}"/>
+              </a:ext>
+            </a:extLst>
+          </p:cNvPr>
+          <p:cNvSpPr>
+            <a:spLocks noGrp="1"/>
+          </p:cNvSpPr>
+          <p:nvPr>
+            <p:ph type="title"/>
+          </p:nvPr>
+        </p:nvSpPr>
+        <p:spPr/>
+        <p:txBody>
+          <a:bodyPr/>
+          <a:lstStyle/>
+          <a:p>
+            <a:r>
+              <a:rPr lang="en-US" altLang="ko-KR"/>
+              <a:t>test </a:t>
+            </a:r>
+            <a:r>
+              <a:rPr lang="ko-KR" altLang="en-US"/>
+              <a:t>라는 이름의 </a:t>
+            </a:r>
+            <a:r>
+              <a:rPr lang="en-US" altLang="ko-KR"/>
+              <a:t>db </a:t>
+            </a:r>
+            <a:r>
+              <a:rPr lang="ko-KR" altLang="en-US"/>
+              <a:t>만들기</a:t>
+            </a:r>
+          </a:p>
+        </p:txBody>
+      </p:sp>
+      <p:sp>
+        <p:nvSpPr>
+          <p:cNvPr id="8" name="TextBox 7">
+            <a:extLst>
+              <a:ext uri="{FF2B5EF4-FFF2-40B4-BE49-F238E27FC236}">
+                <a16:creationId xmlns:a16="http://schemas.microsoft.com/office/drawing/2014/main" id="{0B42E8C2-2580-47A3-89F8-A58013443418}"/>
+              </a:ext>
+            </a:extLst>
+          </p:cNvPr>
+          <p:cNvSpPr txBox="1"/>
+          <p:nvPr/>
+        </p:nvSpPr>
+        <p:spPr>
+          <a:xfrm>
+            <a:off x="998290" y="1593908"/>
+            <a:ext cx="4073231" cy="646331"/>
+          </a:xfrm>
+          <a:prstGeom prst="rect">
+            <a:avLst/>
+          </a:prstGeom>
+          <a:noFill/>
+        </p:spPr>
+        <p:txBody>
+          <a:bodyPr wrap="none" rtlCol="0">
+            <a:spAutoFit/>
+          </a:bodyPr>
+          <a:lstStyle/>
+          <a:p>
+            <a:r>
+              <a:rPr lang="en-US" altLang="ko-KR"/>
+              <a:t>test</a:t>
+            </a:r>
+            <a:r>
+              <a:rPr lang="ko-KR" altLang="en-US"/>
+              <a:t> 라는 이름의 </a:t>
+            </a:r>
+            <a:r>
+              <a:rPr lang="en-US" altLang="ko-KR"/>
+              <a:t>db</a:t>
+            </a:r>
+            <a:r>
+              <a:rPr lang="ko-KR" altLang="en-US"/>
+              <a:t>를 만들 것이므로</a:t>
+            </a:r>
+            <a:r>
+              <a:rPr lang="en-US" altLang="ko-KR"/>
+              <a:t>,</a:t>
+            </a:r>
+          </a:p>
+          <a:p>
+            <a:r>
+              <a:rPr lang="ko-KR" altLang="en-US"/>
+              <a:t>일단 있는지부터 확인해보자</a:t>
+            </a:r>
+            <a:r>
+              <a:rPr lang="en-US" altLang="ko-KR"/>
+              <a:t>.</a:t>
+            </a:r>
+            <a:endParaRPr lang="ko-KR" altLang="en-US"/>
+          </a:p>
+        </p:txBody>
+      </p:sp>
+      <p:sp>
+        <p:nvSpPr>
+          <p:cNvPr id="13" name="TextBox 12">
+            <a:extLst>
+              <a:ext uri="{FF2B5EF4-FFF2-40B4-BE49-F238E27FC236}">
+                <a16:creationId xmlns:a16="http://schemas.microsoft.com/office/drawing/2014/main" id="{759AB91A-5378-4D27-BD7F-9D1864E9547E}"/>
+              </a:ext>
+            </a:extLst>
+          </p:cNvPr>
+          <p:cNvSpPr txBox="1"/>
+          <p:nvPr/>
+        </p:nvSpPr>
+        <p:spPr>
+          <a:xfrm>
+            <a:off x="5704356" y="1593908"/>
+            <a:ext cx="4568879" cy="646331"/>
+          </a:xfrm>
+          <a:prstGeom prst="rect">
+            <a:avLst/>
+          </a:prstGeom>
+          <a:noFill/>
+        </p:spPr>
+        <p:txBody>
+          <a:bodyPr wrap="none" rtlCol="0">
+            <a:spAutoFit/>
+          </a:bodyPr>
+          <a:lstStyle/>
+          <a:p>
+            <a:r>
+              <a:rPr lang="ko-KR" altLang="en-US"/>
+              <a:t>있으면</a:t>
+            </a:r>
+            <a:r>
+              <a:rPr lang="en-US" altLang="ko-KR"/>
+              <a:t>, </a:t>
+            </a:r>
+            <a:r>
+              <a:rPr lang="ko-KR" altLang="en-US"/>
+              <a:t>이 </a:t>
+            </a:r>
+            <a:r>
+              <a:rPr lang="en-US" altLang="ko-KR"/>
+              <a:t>db</a:t>
+            </a:r>
+            <a:r>
+              <a:rPr lang="ko-KR" altLang="en-US"/>
+              <a:t>를 날려버리도록 하자</a:t>
+            </a:r>
+            <a:r>
+              <a:rPr lang="en-US" altLang="ko-KR"/>
+              <a:t>.</a:t>
+            </a:r>
+          </a:p>
+          <a:p>
+            <a:r>
+              <a:rPr lang="ko-KR" altLang="en-US"/>
+              <a:t>날리기 싫으면 다른 이름으로 지어도 된다</a:t>
+            </a:r>
+            <a:r>
+              <a:rPr lang="en-US" altLang="ko-KR"/>
+              <a:t>.</a:t>
+            </a:r>
+            <a:endParaRPr lang="ko-KR" altLang="en-US"/>
+          </a:p>
+        </p:txBody>
+      </p:sp>
+      <p:pic>
+        <p:nvPicPr>
+          <p:cNvPr id="15" name="그림 14">
+            <a:extLst>
+              <a:ext uri="{FF2B5EF4-FFF2-40B4-BE49-F238E27FC236}">
+                <a16:creationId xmlns:a16="http://schemas.microsoft.com/office/drawing/2014/main" id="{3BEC5531-74E3-44A5-B231-C95C2C5A5447}"/>
+              </a:ext>
+            </a:extLst>
+          </p:cNvPr>
+          <p:cNvPicPr>
+            <a:picLocks noChangeAspect="1"/>
+          </p:cNvPicPr>
+          <p:nvPr/>
+        </p:nvPicPr>
+        <p:blipFill>
+          <a:blip r:embed="rId2"/>
+          <a:stretch>
+            <a:fillRect/>
+          </a:stretch>
+        </p:blipFill>
+        <p:spPr>
+          <a:xfrm>
+            <a:off x="1071077" y="2668238"/>
+            <a:ext cx="3238500" cy="2838450"/>
+          </a:xfrm>
+          <a:prstGeom prst="rect">
+            <a:avLst/>
+          </a:prstGeom>
+        </p:spPr>
+      </p:pic>
+      <p:pic>
+        <p:nvPicPr>
+          <p:cNvPr id="17" name="그림 16">
+            <a:extLst>
+              <a:ext uri="{FF2B5EF4-FFF2-40B4-BE49-F238E27FC236}">
+                <a16:creationId xmlns:a16="http://schemas.microsoft.com/office/drawing/2014/main" id="{7F2E63DE-77A5-490B-A056-D6899A785797}"/>
+              </a:ext>
+            </a:extLst>
+          </p:cNvPr>
+          <p:cNvPicPr>
+            <a:picLocks noChangeAspect="1"/>
+          </p:cNvPicPr>
+          <p:nvPr/>
+        </p:nvPicPr>
+        <p:blipFill>
+          <a:blip r:embed="rId3"/>
+          <a:stretch>
+            <a:fillRect/>
+          </a:stretch>
+        </p:blipFill>
+        <p:spPr>
+          <a:xfrm>
+            <a:off x="5826142" y="2542080"/>
+            <a:ext cx="3695700" cy="933450"/>
+          </a:xfrm>
+          <a:prstGeom prst="rect">
+            <a:avLst/>
+          </a:prstGeom>
+        </p:spPr>
+      </p:pic>
+      <p:sp>
+        <p:nvSpPr>
+          <p:cNvPr id="18" name="TextBox 17">
+            <a:extLst>
+              <a:ext uri="{FF2B5EF4-FFF2-40B4-BE49-F238E27FC236}">
+                <a16:creationId xmlns:a16="http://schemas.microsoft.com/office/drawing/2014/main" id="{5919BCEE-82E6-4C12-88BB-A565C4355725}"/>
+              </a:ext>
+            </a:extLst>
+          </p:cNvPr>
+          <p:cNvSpPr txBox="1"/>
+          <p:nvPr/>
+        </p:nvSpPr>
+        <p:spPr>
+          <a:xfrm>
+            <a:off x="5732068" y="3777371"/>
+            <a:ext cx="5621732" cy="369332"/>
+          </a:xfrm>
+          <a:prstGeom prst="rect">
+            <a:avLst/>
+          </a:prstGeom>
+          <a:noFill/>
+        </p:spPr>
+        <p:txBody>
+          <a:bodyPr wrap="none" rtlCol="0">
+            <a:spAutoFit/>
+          </a:bodyPr>
+          <a:lstStyle/>
+          <a:p>
+            <a:r>
+              <a:rPr lang="ko-KR" altLang="en-US"/>
+              <a:t>그리고</a:t>
+            </a:r>
+            <a:r>
+              <a:rPr lang="en-US" altLang="ko-KR"/>
+              <a:t>, </a:t>
+            </a:r>
+            <a:r>
+              <a:rPr lang="ko-KR" altLang="en-US"/>
+              <a:t>다음 명령어로 </a:t>
+            </a:r>
+            <a:r>
+              <a:rPr lang="en-US" altLang="ko-KR"/>
+              <a:t>test </a:t>
+            </a:r>
+            <a:r>
+              <a:rPr lang="ko-KR" altLang="en-US"/>
+              <a:t>라는 이름의 </a:t>
+            </a:r>
+            <a:r>
+              <a:rPr lang="en-US" altLang="ko-KR"/>
+              <a:t>db</a:t>
+            </a:r>
+            <a:r>
+              <a:rPr lang="ko-KR" altLang="en-US"/>
+              <a:t>를 만든다</a:t>
+            </a:r>
+            <a:r>
+              <a:rPr lang="en-US" altLang="ko-KR"/>
+              <a:t>.</a:t>
+            </a:r>
+            <a:endParaRPr lang="ko-KR" altLang="en-US"/>
+          </a:p>
+        </p:txBody>
+      </p:sp>
+      <p:pic>
+        <p:nvPicPr>
+          <p:cNvPr id="20" name="그림 19">
+            <a:extLst>
+              <a:ext uri="{FF2B5EF4-FFF2-40B4-BE49-F238E27FC236}">
+                <a16:creationId xmlns:a16="http://schemas.microsoft.com/office/drawing/2014/main" id="{0C52F60D-4AE0-4A67-95F0-8F1352B38FB7}"/>
+              </a:ext>
+            </a:extLst>
+          </p:cNvPr>
+          <p:cNvPicPr>
+            <a:picLocks noChangeAspect="1"/>
+          </p:cNvPicPr>
+          <p:nvPr/>
+        </p:nvPicPr>
+        <p:blipFill>
+          <a:blip r:embed="rId4"/>
+          <a:stretch>
+            <a:fillRect/>
+          </a:stretch>
+        </p:blipFill>
+        <p:spPr>
+          <a:xfrm>
+            <a:off x="5838825" y="4302067"/>
+            <a:ext cx="3790950" cy="962025"/>
+          </a:xfrm>
+          <a:prstGeom prst="rect">
+            <a:avLst/>
+          </a:prstGeom>
+        </p:spPr>
+      </p:pic>
+    </p:spTree>
+    <p:extLst>
+      <p:ext uri="{BB962C8B-B14F-4D97-AF65-F5344CB8AC3E}">
+        <p14:creationId xmlns:p14="http://schemas.microsoft.com/office/powerpoint/2010/main" val="2770970377"/>
+      </p:ext>
+    </p:extLst>
+  </p:cSld>
+  <p:clrMapOvr>
+    <a:masterClrMapping/>
+  </p:clrMapOvr>
+</p:sld>
+</file>
+
+<file path=ppt/slides/slide15.xml><?xml version="1.0" encoding="utf-8"?>
+<p:sld xmlns:a="http://schemas.openxmlformats.org/drawingml/2006/main" xmlns:r="http://schemas.openxmlformats.org/officeDocument/2006/relationships" xmlns:p="http://schemas.openxmlformats.org/presentationml/2006/main">
+  <p:cSld>
+    <p:spTree>
+      <p:nvGrpSpPr>
+        <p:cNvPr id="1" name=""/>
+        <p:cNvGrpSpPr/>
+        <p:nvPr/>
+      </p:nvGrpSpPr>
+      <p:grpSpPr>
+        <a:xfrm>
+          <a:off x="0" y="0"/>
+          <a:ext cx="0" cy="0"/>
+          <a:chOff x="0" y="0"/>
+          <a:chExt cx="0" cy="0"/>
+        </a:xfrm>
+      </p:grpSpPr>
+      <p:sp>
+        <p:nvSpPr>
+          <p:cNvPr id="2" name="제목 1">
+            <a:extLst>
+              <a:ext uri="{FF2B5EF4-FFF2-40B4-BE49-F238E27FC236}">
+                <a16:creationId xmlns:a16="http://schemas.microsoft.com/office/drawing/2014/main" id="{12843116-9375-41EB-8E53-6D9307E4ADB0}"/>
+              </a:ext>
+            </a:extLst>
+          </p:cNvPr>
+          <p:cNvSpPr>
+            <a:spLocks noGrp="1"/>
+          </p:cNvSpPr>
+          <p:nvPr>
+            <p:ph type="title"/>
+          </p:nvPr>
+        </p:nvSpPr>
+        <p:spPr/>
+        <p:txBody>
+          <a:bodyPr/>
+          <a:lstStyle/>
+          <a:p>
+            <a:r>
+              <a:rPr lang="en-US" altLang="ko-KR"/>
+              <a:t>Table Plus </a:t>
+            </a:r>
+            <a:r>
+              <a:rPr lang="ko-KR" altLang="en-US"/>
+              <a:t>로 연결</a:t>
+            </a:r>
+            <a:r>
+              <a:rPr lang="en-US" altLang="ko-KR"/>
+              <a:t> </a:t>
+            </a:r>
+            <a:endParaRPr lang="ko-KR" altLang="en-US"/>
+          </a:p>
+        </p:txBody>
+      </p:sp>
+      <p:pic>
+        <p:nvPicPr>
+          <p:cNvPr id="5" name="그림 4">
+            <a:extLst>
+              <a:ext uri="{FF2B5EF4-FFF2-40B4-BE49-F238E27FC236}">
+                <a16:creationId xmlns:a16="http://schemas.microsoft.com/office/drawing/2014/main" id="{227DB643-F747-4061-9CB0-9BC1EBD30A45}"/>
+              </a:ext>
+            </a:extLst>
+          </p:cNvPr>
+          <p:cNvPicPr>
+            <a:picLocks noChangeAspect="1"/>
+          </p:cNvPicPr>
+          <p:nvPr/>
+        </p:nvPicPr>
+        <p:blipFill>
+          <a:blip r:embed="rId2"/>
+          <a:stretch>
+            <a:fillRect/>
+          </a:stretch>
+        </p:blipFill>
+        <p:spPr>
+          <a:xfrm>
+            <a:off x="1020421" y="1625374"/>
+            <a:ext cx="4132895" cy="4400549"/>
+          </a:xfrm>
+          <a:prstGeom prst="rect">
+            <a:avLst/>
+          </a:prstGeom>
+        </p:spPr>
+      </p:pic>
+      <p:pic>
+        <p:nvPicPr>
+          <p:cNvPr id="7" name="그림 6">
+            <a:extLst>
+              <a:ext uri="{FF2B5EF4-FFF2-40B4-BE49-F238E27FC236}">
+                <a16:creationId xmlns:a16="http://schemas.microsoft.com/office/drawing/2014/main" id="{C512221F-6AA3-443C-9970-ABE9C5968A6C}"/>
+              </a:ext>
+            </a:extLst>
+          </p:cNvPr>
+          <p:cNvPicPr>
+            <a:picLocks noChangeAspect="1"/>
+          </p:cNvPicPr>
+          <p:nvPr/>
+        </p:nvPicPr>
+        <p:blipFill>
+          <a:blip r:embed="rId3"/>
+          <a:stretch>
+            <a:fillRect/>
+          </a:stretch>
+        </p:blipFill>
+        <p:spPr>
+          <a:xfrm>
+            <a:off x="6397183" y="734457"/>
+            <a:ext cx="4391706" cy="2932700"/>
+          </a:xfrm>
+          <a:prstGeom prst="rect">
+            <a:avLst/>
+          </a:prstGeom>
+        </p:spPr>
+      </p:pic>
+      <p:sp>
+        <p:nvSpPr>
+          <p:cNvPr id="8" name="TextBox 7">
+            <a:extLst>
+              <a:ext uri="{FF2B5EF4-FFF2-40B4-BE49-F238E27FC236}">
+                <a16:creationId xmlns:a16="http://schemas.microsoft.com/office/drawing/2014/main" id="{20D4F318-EED3-4F59-A9C0-48EE64B1F651}"/>
+              </a:ext>
+            </a:extLst>
+          </p:cNvPr>
+          <p:cNvSpPr txBox="1"/>
+          <p:nvPr/>
+        </p:nvSpPr>
+        <p:spPr>
+          <a:xfrm>
+            <a:off x="6343601" y="365125"/>
+            <a:ext cx="4681090" cy="369332"/>
+          </a:xfrm>
+          <a:prstGeom prst="rect">
+            <a:avLst/>
+          </a:prstGeom>
+          <a:noFill/>
+        </p:spPr>
+        <p:txBody>
+          <a:bodyPr wrap="none" rtlCol="0">
+            <a:spAutoFit/>
+          </a:bodyPr>
+          <a:lstStyle/>
+          <a:p>
+            <a:r>
+              <a:rPr lang="ko-KR" altLang="en-US"/>
+              <a:t>성공하면 다음과 같이 로딩 후 빈 화면이 뜸</a:t>
+            </a:r>
+          </a:p>
+        </p:txBody>
+      </p:sp>
+      <p:pic>
+        <p:nvPicPr>
+          <p:cNvPr id="10" name="그림 9">
+            <a:extLst>
+              <a:ext uri="{FF2B5EF4-FFF2-40B4-BE49-F238E27FC236}">
+                <a16:creationId xmlns:a16="http://schemas.microsoft.com/office/drawing/2014/main" id="{E6A6424D-3699-45A6-9BF4-576C6440BE09}"/>
+              </a:ext>
+            </a:extLst>
+          </p:cNvPr>
+          <p:cNvPicPr>
+            <a:picLocks noChangeAspect="1"/>
+          </p:cNvPicPr>
+          <p:nvPr/>
+        </p:nvPicPr>
+        <p:blipFill>
+          <a:blip r:embed="rId4"/>
+          <a:stretch>
+            <a:fillRect/>
+          </a:stretch>
+        </p:blipFill>
+        <p:spPr>
+          <a:xfrm>
+            <a:off x="6397183" y="4576191"/>
+            <a:ext cx="3882201" cy="1916684"/>
+          </a:xfrm>
+          <a:prstGeom prst="rect">
+            <a:avLst/>
+          </a:prstGeom>
+        </p:spPr>
+      </p:pic>
+      <p:sp>
+        <p:nvSpPr>
+          <p:cNvPr id="13" name="TextBox 12">
+            <a:extLst>
+              <a:ext uri="{FF2B5EF4-FFF2-40B4-BE49-F238E27FC236}">
+                <a16:creationId xmlns:a16="http://schemas.microsoft.com/office/drawing/2014/main" id="{C6465FF7-307F-40C3-BE69-1846B8D0470B}"/>
+              </a:ext>
+            </a:extLst>
+          </p:cNvPr>
+          <p:cNvSpPr txBox="1"/>
+          <p:nvPr/>
+        </p:nvSpPr>
+        <p:spPr>
+          <a:xfrm>
+            <a:off x="6303877" y="4024689"/>
+            <a:ext cx="2820003" cy="369332"/>
+          </a:xfrm>
+          <a:prstGeom prst="rect">
+            <a:avLst/>
+          </a:prstGeom>
+          <a:noFill/>
+        </p:spPr>
+        <p:txBody>
+          <a:bodyPr wrap="none" rtlCol="0">
+            <a:spAutoFit/>
+          </a:bodyPr>
+          <a:lstStyle/>
+          <a:p>
+            <a:r>
+              <a:rPr lang="ko-KR" altLang="en-US"/>
+              <a:t>연결 실패 시 에러메세지</a:t>
+            </a:r>
+          </a:p>
+        </p:txBody>
+      </p:sp>
+    </p:spTree>
+    <p:extLst>
+      <p:ext uri="{BB962C8B-B14F-4D97-AF65-F5344CB8AC3E}">
+        <p14:creationId xmlns:p14="http://schemas.microsoft.com/office/powerpoint/2010/main" val="800145351"/>
+      </p:ext>
+    </p:extLst>
+  </p:cSld>
+  <p:clrMapOvr>
+    <a:masterClrMapping/>
+  </p:clrMapOvr>
+</p:sld>
+</file>
+
+<file path=ppt/slides/slide16.xml><?xml version="1.0" encoding="utf-8"?>
+<p:sld xmlns:a="http://schemas.openxmlformats.org/drawingml/2006/main" xmlns:r="http://schemas.openxmlformats.org/officeDocument/2006/relationships" xmlns:p="http://schemas.openxmlformats.org/presentationml/2006/main">
+  <p:cSld>
+    <p:spTree>
+      <p:nvGrpSpPr>
+        <p:cNvPr id="1" name=""/>
+        <p:cNvGrpSpPr/>
+        <p:nvPr/>
+      </p:nvGrpSpPr>
+      <p:grpSpPr>
+        <a:xfrm>
+          <a:off x="0" y="0"/>
+          <a:ext cx="0" cy="0"/>
+          <a:chOff x="0" y="0"/>
+          <a:chExt cx="0" cy="0"/>
+        </a:xfrm>
+      </p:grpSpPr>
+      <p:sp>
+        <p:nvSpPr>
+          <p:cNvPr id="2" name="제목 1">
+            <a:extLst>
+              <a:ext uri="{FF2B5EF4-FFF2-40B4-BE49-F238E27FC236}">
+                <a16:creationId xmlns:a16="http://schemas.microsoft.com/office/drawing/2014/main" id="{7E4B725B-FD21-429A-9A2F-271145ABD14F}"/>
+              </a:ext>
+            </a:extLst>
+          </p:cNvPr>
+          <p:cNvSpPr>
+            <a:spLocks noGrp="1"/>
+          </p:cNvSpPr>
+          <p:nvPr>
+            <p:ph type="title"/>
+          </p:nvPr>
+        </p:nvSpPr>
+        <p:spPr/>
+        <p:txBody>
+          <a:bodyPr/>
+          <a:lstStyle/>
+          <a:p>
+            <a:r>
+              <a:rPr lang="en-US" altLang="ko-KR" dirty="0"/>
+              <a:t>DB Table </a:t>
+            </a:r>
+            <a:r>
+              <a:rPr lang="ko-KR" altLang="en-US" dirty="0"/>
+              <a:t>만들기</a:t>
+            </a:r>
+          </a:p>
+        </p:txBody>
+      </p:sp>
+      <p:pic>
+        <p:nvPicPr>
+          <p:cNvPr id="11" name="그림 10">
+            <a:extLst>
+              <a:ext uri="{FF2B5EF4-FFF2-40B4-BE49-F238E27FC236}">
+                <a16:creationId xmlns:a16="http://schemas.microsoft.com/office/drawing/2014/main" id="{3018B1AE-E19F-4E96-A291-AFE8B51F3E66}"/>
+              </a:ext>
+            </a:extLst>
+          </p:cNvPr>
+          <p:cNvPicPr>
+            <a:picLocks noChangeAspect="1"/>
+          </p:cNvPicPr>
+          <p:nvPr/>
+        </p:nvPicPr>
+        <p:blipFill>
+          <a:blip r:embed="rId2"/>
+          <a:stretch>
+            <a:fillRect/>
+          </a:stretch>
+        </p:blipFill>
+        <p:spPr>
+          <a:xfrm>
+            <a:off x="838200" y="2152650"/>
+            <a:ext cx="5648325" cy="1943100"/>
+          </a:xfrm>
+          <a:prstGeom prst="rect">
+            <a:avLst/>
+          </a:prstGeom>
+        </p:spPr>
+      </p:pic>
+      <p:sp>
+        <p:nvSpPr>
+          <p:cNvPr id="13" name="TextBox 12">
+            <a:extLst>
+              <a:ext uri="{FF2B5EF4-FFF2-40B4-BE49-F238E27FC236}">
+                <a16:creationId xmlns:a16="http://schemas.microsoft.com/office/drawing/2014/main" id="{4738EAE8-FC43-44DC-88FE-4C1159E00601}"/>
+              </a:ext>
+            </a:extLst>
+          </p:cNvPr>
+          <p:cNvSpPr txBox="1"/>
+          <p:nvPr/>
+        </p:nvSpPr>
+        <p:spPr>
+          <a:xfrm>
+            <a:off x="962025" y="1581150"/>
+            <a:ext cx="7932556" cy="369332"/>
+          </a:xfrm>
+          <a:prstGeom prst="rect">
+            <a:avLst/>
+          </a:prstGeom>
+          <a:noFill/>
+        </p:spPr>
+        <p:txBody>
+          <a:bodyPr wrap="none" rtlCol="0">
+            <a:spAutoFit/>
+          </a:bodyPr>
+          <a:lstStyle/>
+          <a:p>
+            <a:r>
+              <a:rPr lang="en-US" altLang="ko-KR"/>
+              <a:t>db.sql </a:t>
+            </a:r>
+            <a:r>
+              <a:rPr lang="ko-KR" altLang="en-US"/>
+              <a:t>파일 안에 있는 코드를 </a:t>
+            </a:r>
+            <a:r>
+              <a:rPr lang="en-US" altLang="ko-KR"/>
+              <a:t>TablePlus </a:t>
+            </a:r>
+            <a:r>
+              <a:rPr lang="ko-KR" altLang="en-US"/>
+              <a:t>에서 </a:t>
+            </a:r>
+            <a:r>
+              <a:rPr lang="en-US" altLang="ko-KR"/>
+              <a:t>“</a:t>
+            </a:r>
+            <a:r>
+              <a:rPr lang="ko-KR" altLang="en-US"/>
+              <a:t>한 문단씩</a:t>
+            </a:r>
+            <a:r>
+              <a:rPr lang="en-US" altLang="ko-KR"/>
+              <a:t>“ </a:t>
+            </a:r>
+            <a:r>
+              <a:rPr lang="ko-KR" altLang="en-US"/>
+              <a:t>실행</a:t>
+            </a:r>
+            <a:r>
+              <a:rPr lang="en-US" altLang="ko-KR"/>
+              <a:t>(ctrl + enter)</a:t>
+            </a:r>
+          </a:p>
+        </p:txBody>
+      </p:sp>
+      <p:pic>
+        <p:nvPicPr>
+          <p:cNvPr id="16" name="그림 15">
+            <a:extLst>
+              <a:ext uri="{FF2B5EF4-FFF2-40B4-BE49-F238E27FC236}">
+                <a16:creationId xmlns:a16="http://schemas.microsoft.com/office/drawing/2014/main" id="{B6EDD872-22D9-44F1-A3D7-BF2D44C15289}"/>
+              </a:ext>
+            </a:extLst>
+          </p:cNvPr>
+          <p:cNvPicPr>
+            <a:picLocks noChangeAspect="1"/>
+          </p:cNvPicPr>
+          <p:nvPr/>
+        </p:nvPicPr>
+        <p:blipFill>
+          <a:blip r:embed="rId3"/>
+          <a:stretch>
+            <a:fillRect/>
+          </a:stretch>
+        </p:blipFill>
+        <p:spPr>
+          <a:xfrm>
+            <a:off x="838200" y="4468929"/>
+            <a:ext cx="3724275" cy="1905000"/>
+          </a:xfrm>
+          <a:prstGeom prst="rect">
+            <a:avLst/>
+          </a:prstGeom>
+        </p:spPr>
+      </p:pic>
+      <p:sp>
+        <p:nvSpPr>
+          <p:cNvPr id="17" name="TextBox 16">
+            <a:extLst>
+              <a:ext uri="{FF2B5EF4-FFF2-40B4-BE49-F238E27FC236}">
+                <a16:creationId xmlns:a16="http://schemas.microsoft.com/office/drawing/2014/main" id="{6ACA2409-E292-414B-8459-DC831AA348E3}"/>
+              </a:ext>
+            </a:extLst>
+          </p:cNvPr>
+          <p:cNvSpPr txBox="1"/>
+          <p:nvPr/>
+        </p:nvSpPr>
+        <p:spPr>
+          <a:xfrm>
+            <a:off x="5848350" y="5172075"/>
+            <a:ext cx="4027064" cy="369332"/>
+          </a:xfrm>
+          <a:prstGeom prst="rect">
+            <a:avLst/>
+          </a:prstGeom>
+          <a:noFill/>
+        </p:spPr>
+        <p:txBody>
+          <a:bodyPr wrap="none" rtlCol="0">
+            <a:spAutoFit/>
+          </a:bodyPr>
+          <a:lstStyle/>
+          <a:p>
+            <a:r>
+              <a:rPr lang="ko-KR" altLang="en-US"/>
+              <a:t>여기까지 했으면</a:t>
+            </a:r>
+            <a:r>
+              <a:rPr lang="en-US" altLang="ko-KR"/>
+              <a:t>, DB </a:t>
+            </a:r>
+            <a:r>
+              <a:rPr lang="ko-KR" altLang="en-US"/>
+              <a:t>준비는 다 된 것</a:t>
+            </a:r>
+          </a:p>
+        </p:txBody>
+      </p:sp>
+    </p:spTree>
+    <p:extLst>
+      <p:ext uri="{BB962C8B-B14F-4D97-AF65-F5344CB8AC3E}">
+        <p14:creationId xmlns:p14="http://schemas.microsoft.com/office/powerpoint/2010/main" val="1741447720"/>
+      </p:ext>
+    </p:extLst>
+  </p:cSld>
+  <p:clrMapOvr>
+    <a:masterClrMapping/>
+  </p:clrMapOvr>
+</p:sld>
+</file>
+
+<file path=ppt/slides/slide17.xml><?xml version="1.0" encoding="utf-8"?>
+<p:sld xmlns:a="http://schemas.openxmlformats.org/drawingml/2006/main" xmlns:r="http://schemas.openxmlformats.org/officeDocument/2006/relationships" xmlns:p="http://schemas.openxmlformats.org/presentationml/2006/main">
+  <p:cSld>
+    <p:spTree>
+      <p:nvGrpSpPr>
+        <p:cNvPr id="1" name=""/>
+        <p:cNvGrpSpPr/>
+        <p:nvPr/>
+      </p:nvGrpSpPr>
+      <p:grpSpPr>
+        <a:xfrm>
+          <a:off x="0" y="0"/>
+          <a:ext cx="0" cy="0"/>
+          <a:chOff x="0" y="0"/>
+          <a:chExt cx="0" cy="0"/>
+        </a:xfrm>
+      </p:grpSpPr>
+      <p:sp>
+        <p:nvSpPr>
+          <p:cNvPr id="2" name="제목 1">
+            <a:extLst>
+              <a:ext uri="{FF2B5EF4-FFF2-40B4-BE49-F238E27FC236}">
+                <a16:creationId xmlns:a16="http://schemas.microsoft.com/office/drawing/2014/main" id="{B6E5416A-9761-478D-862B-0623F8114221}"/>
+              </a:ext>
+            </a:extLst>
+          </p:cNvPr>
+          <p:cNvSpPr>
+            <a:spLocks noGrp="1"/>
+          </p:cNvSpPr>
+          <p:nvPr>
+            <p:ph type="title"/>
+          </p:nvPr>
+        </p:nvSpPr>
+        <p:spPr/>
+        <p:txBody>
+          <a:bodyPr/>
+          <a:lstStyle/>
+          <a:p>
+            <a:r>
+              <a:rPr lang="en-US" altLang="ko-KR"/>
+              <a:t>createUser.js</a:t>
+            </a:r>
+            <a:endParaRPr lang="ko-KR" altLang="en-US"/>
+          </a:p>
+        </p:txBody>
+      </p:sp>
+      <p:sp>
+        <p:nvSpPr>
+          <p:cNvPr id="3" name="내용 개체 틀 2">
+            <a:extLst>
+              <a:ext uri="{FF2B5EF4-FFF2-40B4-BE49-F238E27FC236}">
+                <a16:creationId xmlns:a16="http://schemas.microsoft.com/office/drawing/2014/main" id="{C51114DF-3B44-492D-AD1F-9E5D3708B4FB}"/>
+              </a:ext>
+            </a:extLst>
+          </p:cNvPr>
+          <p:cNvSpPr>
+            <a:spLocks noGrp="1"/>
+          </p:cNvSpPr>
+          <p:nvPr>
+            <p:ph idx="1"/>
+          </p:nvPr>
+        </p:nvSpPr>
+        <p:spPr/>
+        <p:txBody>
+          <a:bodyPr/>
+          <a:lstStyle/>
+          <a:p>
+            <a:r>
+              <a:rPr lang="ko-KR" altLang="en-US"/>
+              <a:t>이 파일엔</a:t>
+            </a:r>
+            <a:r>
+              <a:rPr lang="en-US" altLang="ko-KR"/>
+              <a:t> </a:t>
+            </a:r>
+            <a:r>
+              <a:rPr lang="ko-KR" altLang="en-US"/>
+              <a:t>두 개의 함수가 있다</a:t>
+            </a:r>
+            <a:r>
+              <a:rPr lang="en-US" altLang="ko-KR"/>
+              <a:t>.</a:t>
+            </a:r>
+          </a:p>
+          <a:p>
+            <a:pPr lvl="1"/>
+            <a:r>
+              <a:rPr lang="en-US" altLang="ko-KR"/>
+              <a:t>getAllUser()		</a:t>
+            </a:r>
+            <a:r>
+              <a:rPr lang="ko-KR" altLang="en-US"/>
+              <a:t>모든 유저를 가져옴</a:t>
+            </a:r>
+            <a:endParaRPr lang="en-US" altLang="ko-KR"/>
+          </a:p>
+          <a:p>
+            <a:pPr lvl="1"/>
+            <a:r>
+              <a:rPr lang="en-US" altLang="ko-KR"/>
+              <a:t>getAddressByID()	ID</a:t>
+            </a:r>
+            <a:r>
+              <a:rPr lang="ko-KR" altLang="en-US"/>
+              <a:t>와 일치하는 유저의 주소를 가져옴</a:t>
+            </a:r>
+          </a:p>
+        </p:txBody>
+      </p:sp>
+    </p:spTree>
+    <p:extLst>
+      <p:ext uri="{BB962C8B-B14F-4D97-AF65-F5344CB8AC3E}">
+        <p14:creationId xmlns:p14="http://schemas.microsoft.com/office/powerpoint/2010/main" val="2943113993"/>
+      </p:ext>
+    </p:extLst>
+  </p:cSld>
+  <p:clrMapOvr>
+    <a:masterClrMapping/>
+  </p:clrMapOvr>
+</p:sld>
+</file>
+
 <file path=ppt/slides/slide2.xml><?xml version="1.0" encoding="utf-8"?>
 <p:sld xmlns:a="http://schemas.openxmlformats.org/drawingml/2006/main" xmlns:r="http://schemas.openxmlformats.org/officeDocument/2006/relationships" xmlns:p="http://schemas.openxmlformats.org/presentationml/2006/main">
   <p:cSld>
@@ -3906,11 +4943,11 @@
           <a:lstStyle/>
           <a:p>
             <a:r>
-              <a:rPr lang="en-US" altLang="ko-KR"/>
+              <a:rPr lang="en-US" altLang="ko-KR" dirty="0"/>
               <a:t>JavaScript </a:t>
             </a:r>
             <a:r>
-              <a:rPr lang="ko-KR" altLang="en-US"/>
+              <a:rPr lang="ko-KR" altLang="en-US" dirty="0"/>
               <a:t>의 한계</a:t>
             </a:r>
           </a:p>
@@ -3938,111 +4975,115 @@
           <a:lstStyle/>
           <a:p>
             <a:r>
-              <a:rPr lang="en-US" altLang="ko-KR"/>
+              <a:rPr lang="en-US" altLang="ko-KR" dirty="0"/>
               <a:t>DB CRUD</a:t>
             </a:r>
             <a:r>
-              <a:rPr lang="ko-KR" altLang="en-US"/>
+              <a:rPr lang="ko-KR" altLang="en-US" dirty="0"/>
               <a:t> 불가능</a:t>
             </a:r>
-            <a:endParaRPr lang="en-US" altLang="ko-KR"/>
+            <a:endParaRPr lang="en-US" altLang="ko-KR" dirty="0"/>
           </a:p>
           <a:p>
             <a:pPr lvl="1"/>
             <a:r>
-              <a:rPr lang="ko-KR" altLang="en-US"/>
+              <a:rPr lang="ko-KR" altLang="en-US" dirty="0"/>
               <a:t>사실은 틀린 말</a:t>
             </a:r>
             <a:r>
-              <a:rPr lang="en-US" altLang="ko-KR"/>
+              <a:rPr lang="en-US" altLang="ko-KR" dirty="0"/>
               <a:t>. Node.js </a:t>
             </a:r>
             <a:r>
-              <a:rPr lang="ko-KR" altLang="en-US"/>
+              <a:rPr lang="ko-KR" altLang="en-US" dirty="0"/>
               <a:t>등장 이후 가능해짐</a:t>
             </a:r>
-            <a:endParaRPr lang="en-US" altLang="ko-KR"/>
+            <a:endParaRPr lang="en-US" altLang="ko-KR" dirty="0"/>
           </a:p>
           <a:p>
             <a:pPr lvl="1"/>
             <a:r>
-              <a:rPr lang="ko-KR" altLang="en-US"/>
+              <a:rPr lang="ko-KR" altLang="en-US" dirty="0"/>
               <a:t>그러나</a:t>
             </a:r>
             <a:r>
-              <a:rPr lang="en-US" altLang="ko-KR"/>
+              <a:rPr lang="en-US" altLang="ko-KR" dirty="0"/>
               <a:t>, DB CRUD </a:t>
             </a:r>
             <a:r>
-              <a:rPr lang="ko-KR" altLang="en-US"/>
+              <a:rPr lang="ko-KR" altLang="en-US" dirty="0"/>
               <a:t>만 하기엔 </a:t>
             </a:r>
             <a:r>
-              <a:rPr lang="en-US" altLang="ko-KR"/>
+              <a:rPr lang="en-US" altLang="ko-KR" dirty="0"/>
               <a:t>Node.js </a:t>
             </a:r>
             <a:r>
-              <a:rPr lang="ko-KR" altLang="en-US"/>
+              <a:rPr lang="ko-KR" altLang="en-US" dirty="0"/>
               <a:t>는 지나치게 어렵다</a:t>
             </a:r>
-            <a:endParaRPr lang="en-US" altLang="ko-KR"/>
-          </a:p>
-          <a:p>
-            <a:r>
-              <a:rPr lang="ko-KR" altLang="en-US"/>
+            <a:endParaRPr lang="en-US" altLang="ko-KR" dirty="0"/>
+          </a:p>
+          <a:p>
+            <a:r>
+              <a:rPr lang="ko-KR" altLang="en-US" dirty="0"/>
               <a:t>페이지를 벗어나면 데이터 보존이 안 됨</a:t>
             </a:r>
-            <a:endParaRPr lang="en-US" altLang="ko-KR"/>
+            <a:endParaRPr lang="en-US" altLang="ko-KR" dirty="0"/>
           </a:p>
           <a:p>
             <a:pPr lvl="1"/>
             <a:r>
-              <a:rPr lang="en-US" altLang="ko-KR"/>
+              <a:rPr lang="en-US" altLang="ko-KR" dirty="0"/>
               <a:t>login.html </a:t>
             </a:r>
             <a:r>
-              <a:rPr lang="ko-KR" altLang="en-US"/>
+              <a:rPr lang="ko-KR" altLang="en-US" dirty="0"/>
               <a:t>에서 </a:t>
             </a:r>
             <a:r>
-              <a:rPr lang="en-US" altLang="ko-KR"/>
+              <a:rPr lang="en-US" altLang="ko-KR" dirty="0"/>
               <a:t>main.html </a:t>
             </a:r>
             <a:r>
-              <a:rPr lang="ko-KR" altLang="en-US"/>
+              <a:rPr lang="ko-KR" altLang="en-US" dirty="0"/>
               <a:t>로 넘어가는 순간</a:t>
             </a:r>
             <a:r>
-              <a:rPr lang="en-US" altLang="ko-KR"/>
+              <a:rPr lang="en-US" altLang="ko-KR" dirty="0"/>
               <a:t>, login.html </a:t>
             </a:r>
             <a:r>
-              <a:rPr lang="ko-KR" altLang="en-US"/>
+              <a:rPr lang="ko-KR" altLang="en-US" dirty="0"/>
               <a:t>에서의 모든 데이터는 초기화되므로 </a:t>
             </a:r>
             <a:r>
-              <a:rPr lang="en-US" altLang="ko-KR"/>
+              <a:rPr lang="en-US" altLang="ko-KR" dirty="0"/>
               <a:t>main.html </a:t>
             </a:r>
             <a:r>
-              <a:rPr lang="ko-KR" altLang="en-US"/>
+              <a:rPr lang="ko-KR" altLang="en-US" dirty="0"/>
               <a:t>로 데이터를 넘길 수 없음</a:t>
             </a:r>
-            <a:endParaRPr lang="en-US" altLang="ko-KR"/>
+            <a:endParaRPr lang="en-US" altLang="ko-KR" dirty="0"/>
           </a:p>
           <a:p>
             <a:pPr lvl="1"/>
             <a:r>
-              <a:rPr lang="ko-KR" altLang="en-US"/>
+              <a:rPr lang="ko-KR" altLang="en-US" dirty="0"/>
               <a:t>이것을 해결하려면 세션</a:t>
             </a:r>
             <a:r>
-              <a:rPr lang="en-US" altLang="ko-KR"/>
+              <a:rPr lang="en-US" altLang="ko-KR" dirty="0"/>
               <a:t>(session) </a:t>
             </a:r>
             <a:r>
-              <a:rPr lang="ko-KR" altLang="en-US"/>
-              <a:t>변수를 브라우저가 아닌 서버에 저장해야함</a:t>
+              <a:rPr lang="ko-KR" altLang="en-US" dirty="0"/>
+              <a:t>변수를 브라우저가 아닌 서버에 </a:t>
+            </a:r>
+            <a:r>
+              <a:rPr lang="ko-KR" altLang="en-US" dirty="0" err="1"/>
+              <a:t>저장해야함</a:t>
             </a:r>
             <a:endParaRPr lang="en-US" altLang="ko-KR"/>
           </a:p>
